--- a/v2/Presentation.pptx
+++ b/v2/Presentation.pptx
@@ -11,15 +11,15 @@
     <p:sldId id="256" r:id="rId2"/>
     <p:sldId id="257" r:id="rId3"/>
     <p:sldId id="265" r:id="rId4"/>
-    <p:sldId id="272" r:id="rId5"/>
-    <p:sldId id="270" r:id="rId6"/>
-    <p:sldId id="259" r:id="rId7"/>
-    <p:sldId id="260" r:id="rId8"/>
-    <p:sldId id="261" r:id="rId9"/>
-    <p:sldId id="262" r:id="rId10"/>
-    <p:sldId id="267" r:id="rId11"/>
-    <p:sldId id="268" r:id="rId12"/>
-    <p:sldId id="271" r:id="rId13"/>
+    <p:sldId id="270" r:id="rId5"/>
+    <p:sldId id="259" r:id="rId6"/>
+    <p:sldId id="260" r:id="rId7"/>
+    <p:sldId id="261" r:id="rId8"/>
+    <p:sldId id="262" r:id="rId9"/>
+    <p:sldId id="267" r:id="rId10"/>
+    <p:sldId id="268" r:id="rId11"/>
+    <p:sldId id="271" r:id="rId12"/>
+    <p:sldId id="272" r:id="rId13"/>
     <p:sldId id="264" r:id="rId14"/>
     <p:sldId id="263" r:id="rId15"/>
     <p:sldId id="269" r:id="rId16"/>
@@ -1209,7 +1209,7 @@
     </p:spTree>
     <p:extLst>
       <p:ext uri="{BB962C8B-B14F-4D97-AF65-F5344CB8AC3E}">
-        <p14:creationId xmlns:p14="http://schemas.microsoft.com/office/powerpoint/2010/main" val="1429057488"/>
+        <p14:creationId xmlns:p14="http://schemas.microsoft.com/office/powerpoint/2010/main" val="2099578183"/>
       </p:ext>
     </p:extLst>
   </p:cSld>
@@ -1284,7 +1284,7 @@
           <a:p>
             <a:fld id="{C303D5F4-B8F2-47EA-8C9C-F9C70326CF18}" type="slidenum">
               <a:rPr lang="de-DE" smtClean="0"/>
-              <a:t>5</a:t>
+              <a:t>7</a:t>
             </a:fld>
             <a:endParaRPr lang="de-DE"/>
           </a:p>
@@ -1293,7 +1293,7 @@
     </p:spTree>
     <p:extLst>
       <p:ext uri="{BB962C8B-B14F-4D97-AF65-F5344CB8AC3E}">
-        <p14:creationId xmlns:p14="http://schemas.microsoft.com/office/powerpoint/2010/main" val="2099578183"/>
+        <p14:creationId xmlns:p14="http://schemas.microsoft.com/office/powerpoint/2010/main" val="1236397370"/>
       </p:ext>
     </p:extLst>
   </p:cSld>
@@ -1347,6 +1347,271 @@
           <a:bodyPr/>
           <a:lstStyle/>
           <a:p>
+            <a:r>
+              <a:rPr lang="de-DE" dirty="0"/>
+              <a:t>All 3 (</a:t>
+            </a:r>
+            <a:r>
+              <a:rPr lang="de-DE" dirty="0" err="1"/>
+              <a:t>or</a:t>
+            </a:r>
+            <a:r>
+              <a:rPr lang="de-DE" dirty="0"/>
+              <a:t> 4) </a:t>
+            </a:r>
+            <a:r>
+              <a:rPr lang="de-DE" dirty="0" err="1"/>
+              <a:t>properties</a:t>
+            </a:r>
+            <a:r>
+              <a:rPr lang="de-DE" dirty="0"/>
+              <a:t> </a:t>
+            </a:r>
+            <a:r>
+              <a:rPr lang="de-DE" dirty="0" err="1"/>
+              <a:t>apply</a:t>
+            </a:r>
+            <a:r>
+              <a:rPr lang="de-DE" dirty="0"/>
+              <a:t>!</a:t>
+            </a:r>
+          </a:p>
+          <a:p>
+            <a:r>
+              <a:rPr lang="de-DE" dirty="0"/>
+              <a:t>mall API (</a:t>
+            </a:r>
+            <a:r>
+              <a:rPr lang="de-DE" dirty="0" err="1"/>
+              <a:t>only</a:t>
+            </a:r>
+            <a:r>
+              <a:rPr lang="de-DE" dirty="0"/>
+              <a:t> 1 </a:t>
+            </a:r>
+            <a:r>
+              <a:rPr lang="de-DE" dirty="0" err="1"/>
+              <a:t>method</a:t>
+            </a:r>
+            <a:r>
+              <a:rPr lang="de-DE" dirty="0"/>
+              <a:t> on </a:t>
+            </a:r>
+            <a:r>
+              <a:rPr lang="de-DE" dirty="0" err="1"/>
+              <a:t>the</a:t>
+            </a:r>
+            <a:r>
+              <a:rPr lang="de-DE" dirty="0"/>
+              <a:t> </a:t>
+            </a:r>
+            <a:r>
+              <a:rPr lang="de-DE" dirty="0" err="1"/>
+              <a:t>surface</a:t>
+            </a:r>
+            <a:r>
+              <a:rPr lang="de-DE" dirty="0"/>
+              <a:t>)</a:t>
+            </a:r>
+          </a:p>
+          <a:p>
+            <a:pPr marL="0" marR="0" lvl="0" indent="0" algn="l" defTabSz="914400" rtl="0" eaLnBrk="1" fontAlgn="auto" latinLnBrk="0" hangingPunct="1">
+              <a:lnSpc>
+                <a:spcPct val="100000"/>
+              </a:lnSpc>
+              <a:spcBef>
+                <a:spcPts val="0"/>
+              </a:spcBef>
+              <a:spcAft>
+                <a:spcPts val="0"/>
+              </a:spcAft>
+              <a:buClrTx/>
+              <a:buSzTx/>
+              <a:buFontTx/>
+              <a:buNone/>
+              <a:tabLst/>
+              <a:defRPr/>
+            </a:pPr>
+            <a:r>
+              <a:rPr lang="de-DE" dirty="0" err="1"/>
+              <a:t>Predictability</a:t>
+            </a:r>
+            <a:r>
+              <a:rPr lang="de-DE" dirty="0"/>
+              <a:t> </a:t>
+            </a:r>
+          </a:p>
+          <a:p>
+            <a:pPr marL="0" marR="0" lvl="0" indent="0" algn="l" defTabSz="914400" rtl="0" eaLnBrk="1" fontAlgn="auto" latinLnBrk="0" hangingPunct="1">
+              <a:lnSpc>
+                <a:spcPct val="100000"/>
+              </a:lnSpc>
+              <a:spcBef>
+                <a:spcPts val="0"/>
+              </a:spcBef>
+              <a:spcAft>
+                <a:spcPts val="0"/>
+              </a:spcAft>
+              <a:buClrTx/>
+              <a:buSzTx/>
+              <a:buFontTx/>
+              <a:buNone/>
+              <a:tabLst/>
+              <a:defRPr/>
+            </a:pPr>
+            <a:r>
+              <a:rPr lang="de-DE" dirty="0"/>
+              <a:t>    (</a:t>
+            </a:r>
+            <a:r>
+              <a:rPr lang="de-DE" dirty="0" err="1"/>
+              <a:t>even</a:t>
+            </a:r>
+            <a:r>
+              <a:rPr lang="de-DE" dirty="0"/>
+              <a:t> </a:t>
+            </a:r>
+            <a:r>
+              <a:rPr lang="de-DE" dirty="0" err="1"/>
+              <a:t>though</a:t>
+            </a:r>
+            <a:r>
+              <a:rPr lang="de-DE" dirty="0"/>
+              <a:t> </a:t>
+            </a:r>
+            <a:r>
+              <a:rPr lang="de-DE" dirty="0" err="1"/>
+              <a:t>state</a:t>
+            </a:r>
+            <a:r>
+              <a:rPr lang="de-DE" dirty="0"/>
+              <a:t> </a:t>
+            </a:r>
+            <a:r>
+              <a:rPr lang="de-DE" dirty="0" err="1"/>
+              <a:t>is</a:t>
+            </a:r>
+            <a:r>
+              <a:rPr lang="de-DE" dirty="0"/>
+              <a:t> </a:t>
+            </a:r>
+            <a:r>
+              <a:rPr lang="de-DE" dirty="0" err="1"/>
+              <a:t>involved</a:t>
+            </a:r>
+            <a:r>
+              <a:rPr lang="de-DE" dirty="0"/>
+              <a:t>)</a:t>
+            </a:r>
+            <a:r>
+              <a:rPr lang="en-US" b="0" dirty="0">
+                <a:solidFill>
+                  <a:srgbClr val="6796E6"/>
+                </a:solidFill>
+                <a:effectLst/>
+                <a:latin typeface="Cascadia Code" panose="020B0609020000020004" pitchFamily="49" charset="0"/>
+              </a:rPr>
+              <a:t> </a:t>
+            </a:r>
+          </a:p>
+          <a:p>
+            <a:pPr marL="0" marR="0" lvl="0" indent="0" algn="l" defTabSz="914400" rtl="0" eaLnBrk="1" fontAlgn="auto" latinLnBrk="0" hangingPunct="1">
+              <a:lnSpc>
+                <a:spcPct val="100000"/>
+              </a:lnSpc>
+              <a:spcBef>
+                <a:spcPts val="0"/>
+              </a:spcBef>
+              <a:spcAft>
+                <a:spcPts val="0"/>
+              </a:spcAft>
+              <a:buClrTx/>
+              <a:buSzTx/>
+              <a:buFontTx/>
+              <a:buNone/>
+              <a:tabLst/>
+              <a:defRPr/>
+            </a:pPr>
+            <a:r>
+              <a:rPr lang="en-US" b="0" dirty="0">
+                <a:solidFill>
+                  <a:srgbClr val="6796E6"/>
+                </a:solidFill>
+                <a:effectLst/>
+                <a:latin typeface="Cascadia Code" panose="020B0609020000020004" pitchFamily="49" charset="0"/>
+              </a:rPr>
+              <a:t>    (</a:t>
+            </a:r>
+            <a:r>
+              <a:rPr lang="en-US" b="0" dirty="0">
+                <a:solidFill>
+                  <a:srgbClr val="D4D4D4"/>
+                </a:solidFill>
+                <a:effectLst/>
+                <a:latin typeface="Cascadia Code" panose="020B0609020000020004" pitchFamily="49" charset="0"/>
+              </a:rPr>
+              <a:t>Reliable contract for </a:t>
+            </a:r>
+            <a:r>
+              <a:rPr lang="en-US" b="0" dirty="0" err="1">
+                <a:solidFill>
+                  <a:srgbClr val="D4D4D4"/>
+                </a:solidFill>
+                <a:effectLst/>
+                <a:latin typeface="Cascadia Code" panose="020B0609020000020004" pitchFamily="49" charset="0"/>
+              </a:rPr>
+              <a:t>behaviour</a:t>
+            </a:r>
+            <a:r>
+              <a:rPr lang="en-US" b="0" dirty="0">
+                <a:solidFill>
+                  <a:srgbClr val="D4D4D4"/>
+                </a:solidFill>
+                <a:effectLst/>
+                <a:latin typeface="Cascadia Code" panose="020B0609020000020004" pitchFamily="49" charset="0"/>
+              </a:rPr>
+              <a:t>)</a:t>
+            </a:r>
+          </a:p>
+          <a:p>
+            <a:r>
+              <a:rPr lang="de-DE" dirty="0"/>
+              <a:t>Nicht-Linearitäten ansprechen – </a:t>
+            </a:r>
+            <a:r>
+              <a:rPr lang="de-DE" dirty="0" err="1"/>
+              <a:t>Inherently</a:t>
+            </a:r>
+            <a:r>
+              <a:rPr lang="de-DE" dirty="0"/>
+              <a:t> </a:t>
+            </a:r>
+            <a:r>
+              <a:rPr lang="de-DE" dirty="0" err="1"/>
+              <a:t>hard</a:t>
+            </a:r>
+            <a:r>
+              <a:rPr lang="de-DE" dirty="0"/>
+              <a:t> </a:t>
+            </a:r>
+            <a:r>
+              <a:rPr lang="de-DE" dirty="0" err="1"/>
+              <a:t>to</a:t>
+            </a:r>
+            <a:r>
+              <a:rPr lang="de-DE" dirty="0"/>
+              <a:t> </a:t>
+            </a:r>
+            <a:r>
+              <a:rPr lang="de-DE" dirty="0" err="1"/>
+              <a:t>predict</a:t>
+            </a:r>
+            <a:r>
+              <a:rPr lang="de-DE" dirty="0"/>
+              <a:t>!</a:t>
+            </a:r>
+          </a:p>
+          <a:p>
             <a:endParaRPr lang="de-DE" dirty="0"/>
           </a:p>
         </p:txBody>
@@ -1377,7 +1642,7 @@
     </p:spTree>
     <p:extLst>
       <p:ext uri="{BB962C8B-B14F-4D97-AF65-F5344CB8AC3E}">
-        <p14:creationId xmlns:p14="http://schemas.microsoft.com/office/powerpoint/2010/main" val="1236397370"/>
+        <p14:creationId xmlns:p14="http://schemas.microsoft.com/office/powerpoint/2010/main" val="819109423"/>
       </p:ext>
     </p:extLst>
   </p:cSld>
@@ -1431,271 +1696,6 @@
           <a:bodyPr/>
           <a:lstStyle/>
           <a:p>
-            <a:r>
-              <a:rPr lang="de-DE" dirty="0"/>
-              <a:t>All 3 (</a:t>
-            </a:r>
-            <a:r>
-              <a:rPr lang="de-DE" dirty="0" err="1"/>
-              <a:t>or</a:t>
-            </a:r>
-            <a:r>
-              <a:rPr lang="de-DE" dirty="0"/>
-              <a:t> 4) </a:t>
-            </a:r>
-            <a:r>
-              <a:rPr lang="de-DE" dirty="0" err="1"/>
-              <a:t>properties</a:t>
-            </a:r>
-            <a:r>
-              <a:rPr lang="de-DE" dirty="0"/>
-              <a:t> </a:t>
-            </a:r>
-            <a:r>
-              <a:rPr lang="de-DE" dirty="0" err="1"/>
-              <a:t>apply</a:t>
-            </a:r>
-            <a:r>
-              <a:rPr lang="de-DE" dirty="0"/>
-              <a:t>!</a:t>
-            </a:r>
-          </a:p>
-          <a:p>
-            <a:r>
-              <a:rPr lang="de-DE" dirty="0"/>
-              <a:t>mall API (</a:t>
-            </a:r>
-            <a:r>
-              <a:rPr lang="de-DE" dirty="0" err="1"/>
-              <a:t>only</a:t>
-            </a:r>
-            <a:r>
-              <a:rPr lang="de-DE" dirty="0"/>
-              <a:t> 1 </a:t>
-            </a:r>
-            <a:r>
-              <a:rPr lang="de-DE" dirty="0" err="1"/>
-              <a:t>method</a:t>
-            </a:r>
-            <a:r>
-              <a:rPr lang="de-DE" dirty="0"/>
-              <a:t> on </a:t>
-            </a:r>
-            <a:r>
-              <a:rPr lang="de-DE" dirty="0" err="1"/>
-              <a:t>the</a:t>
-            </a:r>
-            <a:r>
-              <a:rPr lang="de-DE" dirty="0"/>
-              <a:t> </a:t>
-            </a:r>
-            <a:r>
-              <a:rPr lang="de-DE" dirty="0" err="1"/>
-              <a:t>surface</a:t>
-            </a:r>
-            <a:r>
-              <a:rPr lang="de-DE" dirty="0"/>
-              <a:t>)</a:t>
-            </a:r>
-          </a:p>
-          <a:p>
-            <a:pPr marL="0" marR="0" lvl="0" indent="0" algn="l" defTabSz="914400" rtl="0" eaLnBrk="1" fontAlgn="auto" latinLnBrk="0" hangingPunct="1">
-              <a:lnSpc>
-                <a:spcPct val="100000"/>
-              </a:lnSpc>
-              <a:spcBef>
-                <a:spcPts val="0"/>
-              </a:spcBef>
-              <a:spcAft>
-                <a:spcPts val="0"/>
-              </a:spcAft>
-              <a:buClrTx/>
-              <a:buSzTx/>
-              <a:buFontTx/>
-              <a:buNone/>
-              <a:tabLst/>
-              <a:defRPr/>
-            </a:pPr>
-            <a:r>
-              <a:rPr lang="de-DE" dirty="0" err="1"/>
-              <a:t>Predictability</a:t>
-            </a:r>
-            <a:r>
-              <a:rPr lang="de-DE" dirty="0"/>
-              <a:t> </a:t>
-            </a:r>
-          </a:p>
-          <a:p>
-            <a:pPr marL="0" marR="0" lvl="0" indent="0" algn="l" defTabSz="914400" rtl="0" eaLnBrk="1" fontAlgn="auto" latinLnBrk="0" hangingPunct="1">
-              <a:lnSpc>
-                <a:spcPct val="100000"/>
-              </a:lnSpc>
-              <a:spcBef>
-                <a:spcPts val="0"/>
-              </a:spcBef>
-              <a:spcAft>
-                <a:spcPts val="0"/>
-              </a:spcAft>
-              <a:buClrTx/>
-              <a:buSzTx/>
-              <a:buFontTx/>
-              <a:buNone/>
-              <a:tabLst/>
-              <a:defRPr/>
-            </a:pPr>
-            <a:r>
-              <a:rPr lang="de-DE" dirty="0"/>
-              <a:t>    (</a:t>
-            </a:r>
-            <a:r>
-              <a:rPr lang="de-DE" dirty="0" err="1"/>
-              <a:t>even</a:t>
-            </a:r>
-            <a:r>
-              <a:rPr lang="de-DE" dirty="0"/>
-              <a:t> </a:t>
-            </a:r>
-            <a:r>
-              <a:rPr lang="de-DE" dirty="0" err="1"/>
-              <a:t>though</a:t>
-            </a:r>
-            <a:r>
-              <a:rPr lang="de-DE" dirty="0"/>
-              <a:t> </a:t>
-            </a:r>
-            <a:r>
-              <a:rPr lang="de-DE" dirty="0" err="1"/>
-              <a:t>state</a:t>
-            </a:r>
-            <a:r>
-              <a:rPr lang="de-DE" dirty="0"/>
-              <a:t> </a:t>
-            </a:r>
-            <a:r>
-              <a:rPr lang="de-DE" dirty="0" err="1"/>
-              <a:t>is</a:t>
-            </a:r>
-            <a:r>
-              <a:rPr lang="de-DE" dirty="0"/>
-              <a:t> </a:t>
-            </a:r>
-            <a:r>
-              <a:rPr lang="de-DE" dirty="0" err="1"/>
-              <a:t>involved</a:t>
-            </a:r>
-            <a:r>
-              <a:rPr lang="de-DE" dirty="0"/>
-              <a:t>)</a:t>
-            </a:r>
-            <a:r>
-              <a:rPr lang="en-US" b="0" dirty="0">
-                <a:solidFill>
-                  <a:srgbClr val="6796E6"/>
-                </a:solidFill>
-                <a:effectLst/>
-                <a:latin typeface="Cascadia Code" panose="020B0609020000020004" pitchFamily="49" charset="0"/>
-              </a:rPr>
-              <a:t> </a:t>
-            </a:r>
-          </a:p>
-          <a:p>
-            <a:pPr marL="0" marR="0" lvl="0" indent="0" algn="l" defTabSz="914400" rtl="0" eaLnBrk="1" fontAlgn="auto" latinLnBrk="0" hangingPunct="1">
-              <a:lnSpc>
-                <a:spcPct val="100000"/>
-              </a:lnSpc>
-              <a:spcBef>
-                <a:spcPts val="0"/>
-              </a:spcBef>
-              <a:spcAft>
-                <a:spcPts val="0"/>
-              </a:spcAft>
-              <a:buClrTx/>
-              <a:buSzTx/>
-              <a:buFontTx/>
-              <a:buNone/>
-              <a:tabLst/>
-              <a:defRPr/>
-            </a:pPr>
-            <a:r>
-              <a:rPr lang="en-US" b="0" dirty="0">
-                <a:solidFill>
-                  <a:srgbClr val="6796E6"/>
-                </a:solidFill>
-                <a:effectLst/>
-                <a:latin typeface="Cascadia Code" panose="020B0609020000020004" pitchFamily="49" charset="0"/>
-              </a:rPr>
-              <a:t>    (</a:t>
-            </a:r>
-            <a:r>
-              <a:rPr lang="en-US" b="0" dirty="0">
-                <a:solidFill>
-                  <a:srgbClr val="D4D4D4"/>
-                </a:solidFill>
-                <a:effectLst/>
-                <a:latin typeface="Cascadia Code" panose="020B0609020000020004" pitchFamily="49" charset="0"/>
-              </a:rPr>
-              <a:t>Reliable contract for </a:t>
-            </a:r>
-            <a:r>
-              <a:rPr lang="en-US" b="0" dirty="0" err="1">
-                <a:solidFill>
-                  <a:srgbClr val="D4D4D4"/>
-                </a:solidFill>
-                <a:effectLst/>
-                <a:latin typeface="Cascadia Code" panose="020B0609020000020004" pitchFamily="49" charset="0"/>
-              </a:rPr>
-              <a:t>behaviour</a:t>
-            </a:r>
-            <a:r>
-              <a:rPr lang="en-US" b="0" dirty="0">
-                <a:solidFill>
-                  <a:srgbClr val="D4D4D4"/>
-                </a:solidFill>
-                <a:effectLst/>
-                <a:latin typeface="Cascadia Code" panose="020B0609020000020004" pitchFamily="49" charset="0"/>
-              </a:rPr>
-              <a:t>)</a:t>
-            </a:r>
-          </a:p>
-          <a:p>
-            <a:r>
-              <a:rPr lang="de-DE" dirty="0"/>
-              <a:t>Nicht-Linearitäten ansprechen – </a:t>
-            </a:r>
-            <a:r>
-              <a:rPr lang="de-DE" dirty="0" err="1"/>
-              <a:t>Inherently</a:t>
-            </a:r>
-            <a:r>
-              <a:rPr lang="de-DE" dirty="0"/>
-              <a:t> </a:t>
-            </a:r>
-            <a:r>
-              <a:rPr lang="de-DE" dirty="0" err="1"/>
-              <a:t>hard</a:t>
-            </a:r>
-            <a:r>
-              <a:rPr lang="de-DE" dirty="0"/>
-              <a:t> </a:t>
-            </a:r>
-            <a:r>
-              <a:rPr lang="de-DE" dirty="0" err="1"/>
-              <a:t>to</a:t>
-            </a:r>
-            <a:r>
-              <a:rPr lang="de-DE" dirty="0"/>
-              <a:t> </a:t>
-            </a:r>
-            <a:r>
-              <a:rPr lang="de-DE" dirty="0" err="1"/>
-              <a:t>predict</a:t>
-            </a:r>
-            <a:r>
-              <a:rPr lang="de-DE" dirty="0"/>
-              <a:t>!</a:t>
-            </a:r>
-          </a:p>
-          <a:p>
             <a:endParaRPr lang="de-DE" dirty="0"/>
           </a:p>
         </p:txBody>
@@ -1717,7 +1717,7 @@
           <a:p>
             <a:fld id="{C303D5F4-B8F2-47EA-8C9C-F9C70326CF18}" type="slidenum">
               <a:rPr lang="de-DE" smtClean="0"/>
-              <a:t>9</a:t>
+              <a:t>10</a:t>
             </a:fld>
             <a:endParaRPr lang="de-DE"/>
           </a:p>
@@ -1726,7 +1726,7 @@
     </p:spTree>
     <p:extLst>
       <p:ext uri="{BB962C8B-B14F-4D97-AF65-F5344CB8AC3E}">
-        <p14:creationId xmlns:p14="http://schemas.microsoft.com/office/powerpoint/2010/main" val="819109423"/>
+        <p14:creationId xmlns:p14="http://schemas.microsoft.com/office/powerpoint/2010/main" val="4268992901"/>
       </p:ext>
     </p:extLst>
   </p:cSld>
@@ -1810,7 +1810,7 @@
     </p:spTree>
     <p:extLst>
       <p:ext uri="{BB962C8B-B14F-4D97-AF65-F5344CB8AC3E}">
-        <p14:creationId xmlns:p14="http://schemas.microsoft.com/office/powerpoint/2010/main" val="4268992901"/>
+        <p14:creationId xmlns:p14="http://schemas.microsoft.com/office/powerpoint/2010/main" val="4189489825"/>
       </p:ext>
     </p:extLst>
   </p:cSld>
@@ -1894,7 +1894,7 @@
     </p:spTree>
     <p:extLst>
       <p:ext uri="{BB962C8B-B14F-4D97-AF65-F5344CB8AC3E}">
-        <p14:creationId xmlns:p14="http://schemas.microsoft.com/office/powerpoint/2010/main" val="4189489825"/>
+        <p14:creationId xmlns:p14="http://schemas.microsoft.com/office/powerpoint/2010/main" val="3037132539"/>
       </p:ext>
     </p:extLst>
   </p:cSld>
@@ -5169,194 +5169,6 @@
 </file>
 
 <file path=ppt/slides/slide10.xml><?xml version="1.0" encoding="utf-8"?>
-<p:sld xmlns:a="http://schemas.openxmlformats.org/drawingml/2006/main" xmlns:r="http://schemas.openxmlformats.org/officeDocument/2006/relationships" xmlns:p="http://schemas.openxmlformats.org/presentationml/2006/main">
-  <p:cSld>
-    <p:spTree>
-      <p:nvGrpSpPr>
-        <p:cNvPr id="1" name=""/>
-        <p:cNvGrpSpPr/>
-        <p:nvPr/>
-      </p:nvGrpSpPr>
-      <p:grpSpPr>
-        <a:xfrm>
-          <a:off x="0" y="0"/>
-          <a:ext cx="0" cy="0"/>
-          <a:chOff x="0" y="0"/>
-          <a:chExt cx="0" cy="0"/>
-        </a:xfrm>
-      </p:grpSpPr>
-      <p:sp>
-        <p:nvSpPr>
-          <p:cNvPr id="7" name="Titel 6">
-            <a:extLst>
-              <a:ext uri="{FF2B5EF4-FFF2-40B4-BE49-F238E27FC236}">
-                <a16:creationId xmlns:a16="http://schemas.microsoft.com/office/drawing/2014/main" id="{5DD9D229-1352-FFE0-FB2F-89AADE91D431}"/>
-              </a:ext>
-            </a:extLst>
-          </p:cNvPr>
-          <p:cNvSpPr>
-            <a:spLocks noGrp="1"/>
-          </p:cNvSpPr>
-          <p:nvPr>
-            <p:ph type="title"/>
-          </p:nvPr>
-        </p:nvSpPr>
-        <p:spPr>
-          <a:xfrm>
-            <a:off x="3831566" y="694175"/>
-            <a:ext cx="5497902" cy="5581118"/>
-          </a:xfrm>
-        </p:spPr>
-        <p:txBody>
-          <a:bodyPr>
-            <a:normAutofit/>
-          </a:bodyPr>
-          <a:lstStyle/>
-          <a:p>
-            <a:r>
-              <a:rPr lang="en-US" sz="3600" u="sng" dirty="0">
-                <a:latin typeface="+mn-lt"/>
-              </a:rPr>
-              <a:t>Exercise</a:t>
-            </a:r>
-            <a:br>
-              <a:rPr lang="en-US" sz="2800" dirty="0">
-                <a:latin typeface="+mn-lt"/>
-              </a:rPr>
-            </a:br>
-            <a:br>
-              <a:rPr lang="en-US" sz="2800" dirty="0">
-                <a:latin typeface="+mn-lt"/>
-              </a:rPr>
-            </a:br>
-            <a:r>
-              <a:rPr lang="en-US" sz="2800" dirty="0">
-                <a:latin typeface="+mn-lt"/>
-              </a:rPr>
-              <a:t>- Count from 0 by 1,</a:t>
-            </a:r>
-            <a:br>
-              <a:rPr lang="en-US" sz="2800" dirty="0">
-                <a:latin typeface="+mn-lt"/>
-              </a:rPr>
-            </a:br>
-            <a:r>
-              <a:rPr lang="en-US" sz="2800" dirty="0">
-                <a:latin typeface="+mn-lt"/>
-              </a:rPr>
-              <a:t>- Count from 100 by 10,</a:t>
-            </a:r>
-            <a:br>
-              <a:rPr lang="en-US" sz="2800" dirty="0">
-                <a:latin typeface="+mn-lt"/>
-              </a:rPr>
-            </a:br>
-            <a:r>
-              <a:rPr lang="en-US" sz="2800" dirty="0">
-                <a:latin typeface="+mn-lt"/>
-              </a:rPr>
-              <a:t>- Add corresponding values,</a:t>
-            </a:r>
-            <a:br>
-              <a:rPr lang="en-US" sz="2800" dirty="0">
-                <a:latin typeface="+mn-lt"/>
-              </a:rPr>
-            </a:br>
-            <a:r>
-              <a:rPr lang="en-US" sz="2800" dirty="0">
-                <a:latin typeface="+mn-lt"/>
-              </a:rPr>
-              <a:t>- That’s the resulting series!</a:t>
-            </a:r>
-            <a:br>
-              <a:rPr lang="en-US" sz="2800" dirty="0">
-                <a:latin typeface="+mn-lt"/>
-              </a:rPr>
-            </a:br>
-            <a:br>
-              <a:rPr lang="en-US" sz="2800" dirty="0">
-                <a:latin typeface="+mn-lt"/>
-              </a:rPr>
-            </a:br>
-            <a:r>
-              <a:rPr lang="en-US" sz="2800" dirty="0">
-                <a:solidFill>
-                  <a:schemeClr val="bg1">
-                    <a:lumMod val="50000"/>
-                  </a:schemeClr>
-                </a:solidFill>
-                <a:latin typeface="+mn-lt"/>
-              </a:rPr>
-              <a:t>[ 100; 111; 122; 133; ... ]</a:t>
-            </a:r>
-            <a:br>
-              <a:rPr lang="en-US" sz="2800" dirty="0">
-                <a:latin typeface="+mn-lt"/>
-              </a:rPr>
-            </a:br>
-            <a:br>
-              <a:rPr lang="en-US" sz="2800" dirty="0">
-                <a:latin typeface="+mn-lt"/>
-              </a:rPr>
-            </a:br>
-            <a:r>
-              <a:rPr lang="en-US" sz="2800" strike="sngStrike" dirty="0">
-                <a:latin typeface="+mn-lt"/>
-              </a:rPr>
-              <a:t>a) Using Seq Functions</a:t>
-            </a:r>
-            <a:br>
-              <a:rPr lang="en-US" sz="2800" dirty="0">
-                <a:latin typeface="+mn-lt"/>
-              </a:rPr>
-            </a:br>
-            <a:r>
-              <a:rPr lang="en-US" sz="2800" dirty="0">
-                <a:latin typeface="+mn-lt"/>
-              </a:rPr>
-              <a:t>b) Using Objects </a:t>
-            </a:r>
-            <a:br>
-              <a:rPr lang="en-US" sz="2800" dirty="0">
-                <a:latin typeface="+mn-lt"/>
-              </a:rPr>
-            </a:br>
-            <a:r>
-              <a:rPr lang="en-US" sz="2800" dirty="0">
-                <a:latin typeface="+mn-lt"/>
-              </a:rPr>
-              <a:t>    -&gt; Live Coding</a:t>
-            </a:r>
-            <a:br>
-              <a:rPr lang="en-US" sz="2800" dirty="0">
-                <a:latin typeface="+mn-lt"/>
-              </a:rPr>
-            </a:br>
-            <a:br>
-              <a:rPr lang="en-US" sz="2800" dirty="0">
-                <a:latin typeface="+mn-lt"/>
-              </a:rPr>
-            </a:br>
-            <a:endParaRPr lang="de-DE" sz="2800" dirty="0">
-              <a:latin typeface="+mn-lt"/>
-            </a:endParaRPr>
-          </a:p>
-        </p:txBody>
-      </p:sp>
-    </p:spTree>
-    <p:extLst>
-      <p:ext uri="{BB962C8B-B14F-4D97-AF65-F5344CB8AC3E}">
-        <p14:creationId xmlns:p14="http://schemas.microsoft.com/office/powerpoint/2010/main" val="3049720965"/>
-      </p:ext>
-    </p:extLst>
-  </p:cSld>
-  <p:clrMapOvr>
-    <a:masterClrMapping/>
-  </p:clrMapOvr>
-</p:sld>
-</file>
-
-<file path=ppt/slides/slide11.xml><?xml version="1.0" encoding="utf-8"?>
 <p:sld xmlns:a="http://schemas.openxmlformats.org/drawingml/2006/main" xmlns:r="http://schemas.openxmlformats.org/officeDocument/2006/relationships" xmlns:p="http://schemas.openxmlformats.org/presentationml/2006/main">
   <p:cSld>
     <p:spTree>
@@ -6564,7 +6376,7 @@
 </p:sld>
 </file>
 
-<file path=ppt/slides/slide12.xml><?xml version="1.0" encoding="utf-8"?>
+<file path=ppt/slides/slide11.xml><?xml version="1.0" encoding="utf-8"?>
 <p:sld xmlns:a="http://schemas.openxmlformats.org/drawingml/2006/main" xmlns:r="http://schemas.openxmlformats.org/officeDocument/2006/relationships" xmlns:p="http://schemas.openxmlformats.org/presentationml/2006/main">
   <p:cSld>
     <p:spTree>
@@ -7894,6 +7706,94 @@
     <p:extLst>
       <p:ext uri="{BB962C8B-B14F-4D97-AF65-F5344CB8AC3E}">
         <p14:creationId xmlns:p14="http://schemas.microsoft.com/office/powerpoint/2010/main" val="1707064072"/>
+      </p:ext>
+    </p:extLst>
+  </p:cSld>
+  <p:clrMapOvr>
+    <a:masterClrMapping/>
+  </p:clrMapOvr>
+</p:sld>
+</file>
+
+<file path=ppt/slides/slide12.xml><?xml version="1.0" encoding="utf-8"?>
+<p:sld xmlns:a="http://schemas.openxmlformats.org/drawingml/2006/main" xmlns:r="http://schemas.openxmlformats.org/officeDocument/2006/relationships" xmlns:p="http://schemas.openxmlformats.org/presentationml/2006/main">
+  <p:cSld>
+    <p:spTree>
+      <p:nvGrpSpPr>
+        <p:cNvPr id="1" name=""/>
+        <p:cNvGrpSpPr/>
+        <p:nvPr/>
+      </p:nvGrpSpPr>
+      <p:grpSpPr>
+        <a:xfrm>
+          <a:off x="0" y="0"/>
+          <a:ext cx="0" cy="0"/>
+          <a:chOff x="0" y="0"/>
+          <a:chExt cx="0" cy="0"/>
+        </a:xfrm>
+      </p:grpSpPr>
+      <p:sp>
+        <p:nvSpPr>
+          <p:cNvPr id="7" name="Titel 6">
+            <a:extLst>
+              <a:ext uri="{FF2B5EF4-FFF2-40B4-BE49-F238E27FC236}">
+                <a16:creationId xmlns:a16="http://schemas.microsoft.com/office/drawing/2014/main" id="{5DD9D229-1352-FFE0-FB2F-89AADE91D431}"/>
+              </a:ext>
+            </a:extLst>
+          </p:cNvPr>
+          <p:cNvSpPr>
+            <a:spLocks noGrp="1"/>
+          </p:cNvSpPr>
+          <p:nvPr>
+            <p:ph type="title"/>
+          </p:nvPr>
+        </p:nvSpPr>
+        <p:spPr>
+          <a:xfrm>
+            <a:off x="838200" y="840824"/>
+            <a:ext cx="10515600" cy="5581118"/>
+          </a:xfrm>
+        </p:spPr>
+        <p:txBody>
+          <a:bodyPr>
+            <a:normAutofit/>
+          </a:bodyPr>
+          <a:lstStyle/>
+          <a:p>
+            <a:pPr algn="ctr"/>
+            <a:r>
+              <a:rPr lang="en-US" sz="8800" dirty="0"/>
+              <a:t>Coding</a:t>
+            </a:r>
+            <a:br>
+              <a:rPr lang="en-US" sz="8800" dirty="0"/>
+            </a:br>
+            <a:br>
+              <a:rPr lang="en-US" dirty="0"/>
+            </a:br>
+            <a:r>
+              <a:rPr lang="en-US"/>
+              <a:t>(look at C</a:t>
+            </a:r>
+            <a:r>
+              <a:rPr lang="en-US" dirty="0"/>
+              <a:t># Task)</a:t>
+            </a:r>
+            <a:endParaRPr lang="de-DE" sz="2800" dirty="0">
+              <a:solidFill>
+                <a:schemeClr val="bg1">
+                  <a:lumMod val="50000"/>
+                </a:schemeClr>
+              </a:solidFill>
+              <a:latin typeface="+mn-lt"/>
+            </a:endParaRPr>
+          </a:p>
+        </p:txBody>
+      </p:sp>
+    </p:spTree>
+    <p:extLst>
+      <p:ext uri="{BB962C8B-B14F-4D97-AF65-F5344CB8AC3E}">
+        <p14:creationId xmlns:p14="http://schemas.microsoft.com/office/powerpoint/2010/main" val="3469017391"/>
       </p:ext>
     </p:extLst>
   </p:cSld>
@@ -10854,30 +10754,34 @@
           <a:lstStyle/>
           <a:p>
             <a:r>
+              <a:rPr lang="en-US" b="1" dirty="0"/>
+              <a:t>Today:</a:t>
+            </a:r>
+            <a:r>
               <a:rPr lang="en-US" dirty="0"/>
-              <a:t>Today:	(showcasing) + Core Concept</a:t>
+              <a:t>	(showcasing) + Core Concept</a:t>
             </a:r>
             <a:br>
               <a:rPr lang="en-US" dirty="0"/>
             </a:br>
             <a:r>
+              <a:rPr lang="en-US" b="1" dirty="0"/>
+              <a:t>Then: </a:t>
+            </a:r>
+            <a:r>
               <a:rPr lang="en-US" dirty="0"/>
-              <a:t>Then: 	</a:t>
-            </a:r>
-            <a:r>
-              <a:rPr lang="en-US"/>
-              <a:t>From Core </a:t>
-            </a:r>
-            <a:r>
-              <a:rPr lang="en-US" dirty="0"/>
-              <a:t>Concept to Vide</a:t>
+              <a:t>	From Core Concept to Vide</a:t>
             </a:r>
             <a:br>
               <a:rPr lang="en-US" dirty="0"/>
             </a:br>
             <a:r>
+              <a:rPr lang="en-US" b="1" dirty="0"/>
+              <a:t>Then:</a:t>
+            </a:r>
+            <a:r>
               <a:rPr lang="en-US" dirty="0"/>
-              <a:t>Then:	“Roll your Own”</a:t>
+              <a:t>	“Roll your Own”</a:t>
             </a:r>
             <a:br>
               <a:rPr lang="en-US" dirty="0"/>
@@ -11201,7 +11105,7 @@
     </p:spTree>
     <p:extLst>
       <p:ext uri="{BB962C8B-B14F-4D97-AF65-F5344CB8AC3E}">
-        <p14:creationId xmlns:p14="http://schemas.microsoft.com/office/powerpoint/2010/main" val="3296401790"/>
+        <p14:creationId xmlns:p14="http://schemas.microsoft.com/office/powerpoint/2010/main" val="1533854391"/>
       </p:ext>
     </p:extLst>
   </p:cSld>
@@ -11212,311 +11116,6 @@
 </file>
 
 <file path=ppt/slides/slide5.xml><?xml version="1.0" encoding="utf-8"?>
-<p:sld xmlns:a="http://schemas.openxmlformats.org/drawingml/2006/main" xmlns:r="http://schemas.openxmlformats.org/officeDocument/2006/relationships" xmlns:p="http://schemas.openxmlformats.org/presentationml/2006/main">
-  <p:cSld>
-    <p:spTree>
-      <p:nvGrpSpPr>
-        <p:cNvPr id="1" name=""/>
-        <p:cNvGrpSpPr/>
-        <p:nvPr/>
-      </p:nvGrpSpPr>
-      <p:grpSpPr>
-        <a:xfrm>
-          <a:off x="0" y="0"/>
-          <a:ext cx="0" cy="0"/>
-          <a:chOff x="0" y="0"/>
-          <a:chExt cx="0" cy="0"/>
-        </a:xfrm>
-      </p:grpSpPr>
-      <p:sp>
-        <p:nvSpPr>
-          <p:cNvPr id="7" name="Titel 6">
-            <a:extLst>
-              <a:ext uri="{FF2B5EF4-FFF2-40B4-BE49-F238E27FC236}">
-                <a16:creationId xmlns:a16="http://schemas.microsoft.com/office/drawing/2014/main" id="{5DD9D229-1352-FFE0-FB2F-89AADE91D431}"/>
-              </a:ext>
-            </a:extLst>
-          </p:cNvPr>
-          <p:cNvSpPr>
-            <a:spLocks noGrp="1"/>
-          </p:cNvSpPr>
-          <p:nvPr>
-            <p:ph type="title"/>
-          </p:nvPr>
-        </p:nvSpPr>
-        <p:spPr>
-          <a:xfrm>
-            <a:off x="838200" y="840824"/>
-            <a:ext cx="10515600" cy="5581118"/>
-          </a:xfrm>
-        </p:spPr>
-        <p:txBody>
-          <a:bodyPr>
-            <a:normAutofit/>
-          </a:bodyPr>
-          <a:lstStyle/>
-          <a:p>
-            <a:pPr algn="ctr"/>
-            <a:r>
-              <a:rPr lang="en-US" dirty="0"/>
-              <a:t>What is State?</a:t>
-            </a:r>
-            <a:br>
-              <a:rPr lang="en-US" dirty="0"/>
-            </a:br>
-            <a:r>
-              <a:rPr lang="en-US" dirty="0"/>
-              <a:t>When do we care about it?</a:t>
-            </a:r>
-            <a:br>
-              <a:rPr lang="en-US" dirty="0"/>
-            </a:br>
-            <a:r>
-              <a:rPr lang="en-US" dirty="0"/>
-              <a:t>How to deal with it?</a:t>
-            </a:r>
-            <a:br>
-              <a:rPr lang="en-US" dirty="0"/>
-            </a:br>
-            <a:br>
-              <a:rPr lang="en-US" dirty="0"/>
-            </a:br>
-            <a:br>
-              <a:rPr lang="en-US" dirty="0"/>
-            </a:br>
-            <a:br>
-              <a:rPr lang="en-US" dirty="0"/>
-            </a:br>
-            <a:r>
-              <a:rPr lang="de-DE" sz="2000" dirty="0">
-                <a:solidFill>
-                  <a:schemeClr val="bg1">
-                    <a:lumMod val="50000"/>
-                  </a:schemeClr>
-                </a:solidFill>
-                <a:latin typeface="+mn-lt"/>
-                <a:hlinkClick r:id="rId3">
-                  <a:extLst>
-                    <a:ext uri="{A12FA001-AC4F-418D-AE19-62706E023703}">
-                      <ahyp:hlinkClr xmlns:ahyp="http://schemas.microsoft.com/office/drawing/2018/hyperlinkcolor" val="tx"/>
-                    </a:ext>
-                  </a:extLst>
-                </a:hlinkClick>
-              </a:rPr>
-              <a:t>⚠️</a:t>
-            </a:r>
-            <a:r>
-              <a:rPr lang="de-DE" sz="2000" dirty="0">
-                <a:solidFill>
-                  <a:schemeClr val="bg1">
-                    <a:lumMod val="50000"/>
-                  </a:schemeClr>
-                </a:solidFill>
-                <a:latin typeface="+mn-lt"/>
-              </a:rPr>
-              <a:t> </a:t>
-            </a:r>
-            <a:r>
-              <a:rPr lang="de-DE" sz="2000" dirty="0" err="1">
-                <a:solidFill>
-                  <a:schemeClr val="bg1">
-                    <a:lumMod val="50000"/>
-                  </a:schemeClr>
-                </a:solidFill>
-                <a:latin typeface="+mn-lt"/>
-              </a:rPr>
-              <a:t>Definitions</a:t>
-            </a:r>
-            <a:r>
-              <a:rPr lang="de-DE" sz="2000" dirty="0">
-                <a:solidFill>
-                  <a:schemeClr val="bg1">
-                    <a:lumMod val="50000"/>
-                  </a:schemeClr>
-                </a:solidFill>
-                <a:latin typeface="+mn-lt"/>
-              </a:rPr>
-              <a:t> </a:t>
-            </a:r>
-            <a:r>
-              <a:rPr lang="de-DE" sz="2000" dirty="0" err="1">
-                <a:solidFill>
-                  <a:schemeClr val="bg1">
-                    <a:lumMod val="50000"/>
-                  </a:schemeClr>
-                </a:solidFill>
-                <a:latin typeface="+mn-lt"/>
-              </a:rPr>
-              <a:t>are</a:t>
-            </a:r>
-            <a:r>
-              <a:rPr lang="de-DE" sz="2000" dirty="0">
-                <a:solidFill>
-                  <a:schemeClr val="bg1">
-                    <a:lumMod val="50000"/>
-                  </a:schemeClr>
-                </a:solidFill>
-                <a:latin typeface="+mn-lt"/>
-              </a:rPr>
-              <a:t> </a:t>
-            </a:r>
-            <a:r>
-              <a:rPr lang="de-DE" sz="2000" dirty="0" err="1">
-                <a:solidFill>
-                  <a:schemeClr val="bg1">
-                    <a:lumMod val="50000"/>
-                  </a:schemeClr>
-                </a:solidFill>
-                <a:latin typeface="+mn-lt"/>
-              </a:rPr>
-              <a:t>what</a:t>
-            </a:r>
-            <a:r>
-              <a:rPr lang="de-DE" sz="2000" dirty="0">
-                <a:solidFill>
-                  <a:schemeClr val="bg1">
-                    <a:lumMod val="50000"/>
-                  </a:schemeClr>
-                </a:solidFill>
-                <a:latin typeface="+mn-lt"/>
-              </a:rPr>
-              <a:t> I </a:t>
-            </a:r>
-            <a:r>
-              <a:rPr lang="de-DE" sz="2000" dirty="0" err="1">
-                <a:solidFill>
-                  <a:schemeClr val="bg1">
-                    <a:lumMod val="50000"/>
-                  </a:schemeClr>
-                </a:solidFill>
-                <a:latin typeface="+mn-lt"/>
-              </a:rPr>
-              <a:t>came</a:t>
-            </a:r>
-            <a:r>
-              <a:rPr lang="de-DE" sz="2000" dirty="0">
-                <a:solidFill>
-                  <a:schemeClr val="bg1">
-                    <a:lumMod val="50000"/>
-                  </a:schemeClr>
-                </a:solidFill>
-                <a:latin typeface="+mn-lt"/>
-              </a:rPr>
-              <a:t> </a:t>
-            </a:r>
-            <a:r>
-              <a:rPr lang="de-DE" sz="2000" dirty="0" err="1">
-                <a:solidFill>
-                  <a:schemeClr val="bg1">
-                    <a:lumMod val="50000"/>
-                  </a:schemeClr>
-                </a:solidFill>
-                <a:latin typeface="+mn-lt"/>
-              </a:rPr>
-              <a:t>up</a:t>
-            </a:r>
-            <a:r>
-              <a:rPr lang="de-DE" sz="2000" dirty="0">
-                <a:solidFill>
-                  <a:schemeClr val="bg1">
-                    <a:lumMod val="50000"/>
-                  </a:schemeClr>
-                </a:solidFill>
-                <a:latin typeface="+mn-lt"/>
-              </a:rPr>
-              <a:t> </a:t>
-            </a:r>
-            <a:r>
-              <a:rPr lang="de-DE" sz="2000" dirty="0" err="1">
-                <a:solidFill>
-                  <a:schemeClr val="bg1">
-                    <a:lumMod val="50000"/>
-                  </a:schemeClr>
-                </a:solidFill>
-                <a:latin typeface="+mn-lt"/>
-              </a:rPr>
-              <a:t>with</a:t>
-            </a:r>
-            <a:r>
-              <a:rPr lang="de-DE" sz="2000" dirty="0">
-                <a:solidFill>
-                  <a:schemeClr val="bg1">
-                    <a:lumMod val="50000"/>
-                  </a:schemeClr>
-                </a:solidFill>
-                <a:latin typeface="+mn-lt"/>
-              </a:rPr>
-              <a:t> and </a:t>
-            </a:r>
-            <a:r>
-              <a:rPr lang="de-DE" sz="2000" dirty="0" err="1">
-                <a:solidFill>
-                  <a:schemeClr val="bg1">
-                    <a:lumMod val="50000"/>
-                  </a:schemeClr>
-                </a:solidFill>
-                <a:latin typeface="+mn-lt"/>
-              </a:rPr>
-              <a:t>what</a:t>
-            </a:r>
-            <a:r>
-              <a:rPr lang="de-DE" sz="2000" dirty="0">
-                <a:solidFill>
-                  <a:schemeClr val="bg1">
-                    <a:lumMod val="50000"/>
-                  </a:schemeClr>
-                </a:solidFill>
-                <a:latin typeface="+mn-lt"/>
-              </a:rPr>
-              <a:t> </a:t>
-            </a:r>
-            <a:r>
-              <a:rPr lang="de-DE" sz="2000" dirty="0" err="1">
-                <a:solidFill>
-                  <a:schemeClr val="bg1">
-                    <a:lumMod val="50000"/>
-                  </a:schemeClr>
-                </a:solidFill>
-                <a:latin typeface="+mn-lt"/>
-              </a:rPr>
-              <a:t>helped</a:t>
-            </a:r>
-            <a:r>
-              <a:rPr lang="de-DE" sz="2000" dirty="0">
-                <a:solidFill>
-                  <a:schemeClr val="bg1">
-                    <a:lumMod val="50000"/>
-                  </a:schemeClr>
-                </a:solidFill>
-                <a:latin typeface="+mn-lt"/>
-              </a:rPr>
-              <a:t> me.</a:t>
-            </a:r>
-            <a:endParaRPr lang="de-DE" sz="2800" dirty="0">
-              <a:solidFill>
-                <a:schemeClr val="bg1">
-                  <a:lumMod val="50000"/>
-                </a:schemeClr>
-              </a:solidFill>
-              <a:latin typeface="+mn-lt"/>
-            </a:endParaRPr>
-          </a:p>
-        </p:txBody>
-      </p:sp>
-    </p:spTree>
-    <p:extLst>
-      <p:ext uri="{BB962C8B-B14F-4D97-AF65-F5344CB8AC3E}">
-        <p14:creationId xmlns:p14="http://schemas.microsoft.com/office/powerpoint/2010/main" val="1533854391"/>
-      </p:ext>
-    </p:extLst>
-  </p:cSld>
-  <p:clrMapOvr>
-    <a:masterClrMapping/>
-  </p:clrMapOvr>
-</p:sld>
-</file>
-
-<file path=ppt/slides/slide6.xml><?xml version="1.0" encoding="utf-8"?>
 <p:sld xmlns:a="http://schemas.openxmlformats.org/drawingml/2006/main" xmlns:r="http://schemas.openxmlformats.org/officeDocument/2006/relationships" xmlns:p="http://schemas.openxmlformats.org/presentationml/2006/main" show="0">
   <p:cSld>
     <p:spTree>
@@ -11811,7 +11410,7 @@
 </p:sld>
 </file>
 
-<file path=ppt/slides/slide7.xml><?xml version="1.0" encoding="utf-8"?>
+<file path=ppt/slides/slide6.xml><?xml version="1.0" encoding="utf-8"?>
 <p:sld xmlns:a="http://schemas.openxmlformats.org/drawingml/2006/main" xmlns:r="http://schemas.openxmlformats.org/officeDocument/2006/relationships" xmlns:p="http://schemas.openxmlformats.org/presentationml/2006/main">
   <p:cSld>
     <p:spTree>
@@ -12079,7 +11678,7 @@
 </p:sld>
 </file>
 
-<file path=ppt/slides/slide8.xml><?xml version="1.0" encoding="utf-8"?>
+<file path=ppt/slides/slide7.xml><?xml version="1.0" encoding="utf-8"?>
 <p:sld xmlns:a="http://schemas.openxmlformats.org/drawingml/2006/main" xmlns:r="http://schemas.openxmlformats.org/officeDocument/2006/relationships" xmlns:p="http://schemas.openxmlformats.org/presentationml/2006/main">
   <p:cSld>
     <p:spTree>
@@ -12631,7 +12230,7 @@
 </p:sld>
 </file>
 
-<file path=ppt/slides/slide9.xml><?xml version="1.0" encoding="utf-8"?>
+<file path=ppt/slides/slide8.xml><?xml version="1.0" encoding="utf-8"?>
 <p:sld xmlns:a="http://schemas.openxmlformats.org/drawingml/2006/main" xmlns:r="http://schemas.openxmlformats.org/officeDocument/2006/relationships" xmlns:p="http://schemas.openxmlformats.org/presentationml/2006/main">
   <p:cSld>
     <p:bg>
@@ -13377,6 +12976,239 @@
     <p:extLst>
       <p:ext uri="{BB962C8B-B14F-4D97-AF65-F5344CB8AC3E}">
         <p14:creationId xmlns:p14="http://schemas.microsoft.com/office/powerpoint/2010/main" val="4165525084"/>
+      </p:ext>
+    </p:extLst>
+  </p:cSld>
+  <p:clrMapOvr>
+    <a:masterClrMapping/>
+  </p:clrMapOvr>
+</p:sld>
+</file>
+
+<file path=ppt/slides/slide9.xml><?xml version="1.0" encoding="utf-8"?>
+<p:sld xmlns:a="http://schemas.openxmlformats.org/drawingml/2006/main" xmlns:r="http://schemas.openxmlformats.org/officeDocument/2006/relationships" xmlns:p="http://schemas.openxmlformats.org/presentationml/2006/main">
+  <p:cSld>
+    <p:spTree>
+      <p:nvGrpSpPr>
+        <p:cNvPr id="1" name=""/>
+        <p:cNvGrpSpPr/>
+        <p:nvPr/>
+      </p:nvGrpSpPr>
+      <p:grpSpPr>
+        <a:xfrm>
+          <a:off x="0" y="0"/>
+          <a:ext cx="0" cy="0"/>
+          <a:chOff x="0" y="0"/>
+          <a:chExt cx="0" cy="0"/>
+        </a:xfrm>
+      </p:grpSpPr>
+      <p:sp>
+        <p:nvSpPr>
+          <p:cNvPr id="7" name="Titel 6">
+            <a:extLst>
+              <a:ext uri="{FF2B5EF4-FFF2-40B4-BE49-F238E27FC236}">
+                <a16:creationId xmlns:a16="http://schemas.microsoft.com/office/drawing/2014/main" id="{5DD9D229-1352-FFE0-FB2F-89AADE91D431}"/>
+              </a:ext>
+            </a:extLst>
+          </p:cNvPr>
+          <p:cNvSpPr>
+            <a:spLocks noGrp="1"/>
+          </p:cNvSpPr>
+          <p:nvPr>
+            <p:ph type="title"/>
+          </p:nvPr>
+        </p:nvSpPr>
+        <p:spPr>
+          <a:xfrm>
+            <a:off x="3831566" y="694175"/>
+            <a:ext cx="5497902" cy="5581118"/>
+          </a:xfrm>
+        </p:spPr>
+        <p:txBody>
+          <a:bodyPr>
+            <a:normAutofit fontScale="90000"/>
+          </a:bodyPr>
+          <a:lstStyle/>
+          <a:p>
+            <a:r>
+              <a:rPr lang="en-US" sz="3600" u="sng" dirty="0">
+                <a:latin typeface="+mn-lt"/>
+              </a:rPr>
+              <a:t>Exercise</a:t>
+            </a:r>
+            <a:br>
+              <a:rPr lang="en-US" sz="2800" dirty="0">
+                <a:latin typeface="+mn-lt"/>
+              </a:rPr>
+            </a:br>
+            <a:br>
+              <a:rPr lang="en-US" sz="2800" dirty="0">
+                <a:latin typeface="+mn-lt"/>
+              </a:rPr>
+            </a:br>
+            <a:r>
+              <a:rPr lang="en-US" sz="2800" dirty="0">
+                <a:latin typeface="+mn-lt"/>
+              </a:rPr>
+              <a:t>  - Count from 0 by 1,</a:t>
+            </a:r>
+            <a:br>
+              <a:rPr lang="en-US" sz="2800" dirty="0">
+                <a:latin typeface="+mn-lt"/>
+              </a:rPr>
+            </a:br>
+            <a:r>
+              <a:rPr lang="en-US" sz="2800" dirty="0">
+                <a:latin typeface="+mn-lt"/>
+              </a:rPr>
+              <a:t>  - Count from 100 by 10,</a:t>
+            </a:r>
+            <a:br>
+              <a:rPr lang="en-US" sz="2800" dirty="0">
+                <a:latin typeface="+mn-lt"/>
+              </a:rPr>
+            </a:br>
+            <a:r>
+              <a:rPr lang="en-US" sz="2800" dirty="0">
+                <a:latin typeface="+mn-lt"/>
+              </a:rPr>
+              <a:t>  - Add corresponding values,</a:t>
+            </a:r>
+            <a:br>
+              <a:rPr lang="en-US" sz="2800" dirty="0">
+                <a:latin typeface="+mn-lt"/>
+              </a:rPr>
+            </a:br>
+            <a:r>
+              <a:rPr lang="en-US" sz="2800" dirty="0">
+                <a:latin typeface="+mn-lt"/>
+              </a:rPr>
+              <a:t>  - That’s the resulting series!</a:t>
+            </a:r>
+            <a:br>
+              <a:rPr lang="en-US" sz="2800" dirty="0">
+                <a:latin typeface="+mn-lt"/>
+              </a:rPr>
+            </a:br>
+            <a:br>
+              <a:rPr lang="en-US" sz="2800" dirty="0">
+                <a:latin typeface="+mn-lt"/>
+              </a:rPr>
+            </a:br>
+            <a:r>
+              <a:rPr lang="en-US" sz="2800" dirty="0">
+                <a:latin typeface="+mn-lt"/>
+              </a:rPr>
+              <a:t>Expected Result:</a:t>
+            </a:r>
+            <a:br>
+              <a:rPr lang="en-US" sz="2800" dirty="0">
+                <a:latin typeface="+mn-lt"/>
+              </a:rPr>
+            </a:br>
+            <a:r>
+              <a:rPr lang="en-US" sz="2800" dirty="0">
+                <a:latin typeface="+mn-lt"/>
+              </a:rPr>
+              <a:t>  </a:t>
+            </a:r>
+            <a:r>
+              <a:rPr lang="en-US" sz="2800" dirty="0">
+                <a:solidFill>
+                  <a:schemeClr val="bg1">
+                    <a:lumMod val="50000"/>
+                  </a:schemeClr>
+                </a:solidFill>
+                <a:latin typeface="+mn-lt"/>
+              </a:rPr>
+              <a:t>[ 100; 111; 122; 133; ... ]</a:t>
+            </a:r>
+            <a:br>
+              <a:rPr lang="en-US" sz="2800" dirty="0">
+                <a:latin typeface="+mn-lt"/>
+              </a:rPr>
+            </a:br>
+            <a:br>
+              <a:rPr lang="en-US" sz="2800" dirty="0">
+                <a:latin typeface="+mn-lt"/>
+              </a:rPr>
+            </a:br>
+            <a:r>
+              <a:rPr lang="en-US" sz="2800" dirty="0">
+                <a:latin typeface="+mn-lt"/>
+              </a:rPr>
+              <a:t>Implementation Ideas:</a:t>
+            </a:r>
+            <a:br>
+              <a:rPr lang="en-US" sz="2800" dirty="0">
+                <a:latin typeface="+mn-lt"/>
+              </a:rPr>
+            </a:br>
+            <a:r>
+              <a:rPr lang="en-US" sz="2800" dirty="0">
+                <a:latin typeface="+mn-lt"/>
+              </a:rPr>
+              <a:t>  </a:t>
+            </a:r>
+            <a:r>
+              <a:rPr lang="en-US" sz="2800" strike="sngStrike" dirty="0">
+                <a:latin typeface="+mn-lt"/>
+              </a:rPr>
+              <a:t>a) Using Seq Functions</a:t>
+            </a:r>
+            <a:br>
+              <a:rPr lang="en-US" sz="2800" dirty="0">
+                <a:latin typeface="+mn-lt"/>
+              </a:rPr>
+            </a:br>
+            <a:r>
+              <a:rPr lang="en-US" sz="2800" dirty="0">
+                <a:latin typeface="+mn-lt"/>
+              </a:rPr>
+              <a:t>  b) Using Objects </a:t>
+            </a:r>
+            <a:br>
+              <a:rPr lang="en-US" sz="2800" dirty="0">
+                <a:latin typeface="+mn-lt"/>
+              </a:rPr>
+            </a:br>
+            <a:r>
+              <a:rPr lang="en-US" sz="2800" b="1" dirty="0">
+                <a:latin typeface="+mn-lt"/>
+              </a:rPr>
+              <a:t>      </a:t>
+            </a:r>
+            <a:br>
+              <a:rPr lang="en-US" sz="2800" b="1" dirty="0">
+                <a:latin typeface="+mn-lt"/>
+              </a:rPr>
+            </a:br>
+            <a:r>
+              <a:rPr lang="en-US" sz="2800" b="1" dirty="0">
+                <a:latin typeface="+mn-lt"/>
+              </a:rPr>
+              <a:t>-&gt; Live Coding</a:t>
+            </a:r>
+            <a:br>
+              <a:rPr lang="en-US" sz="2800" dirty="0">
+                <a:latin typeface="+mn-lt"/>
+              </a:rPr>
+            </a:br>
+            <a:br>
+              <a:rPr lang="en-US" sz="2800" dirty="0">
+                <a:latin typeface="+mn-lt"/>
+              </a:rPr>
+            </a:br>
+            <a:endParaRPr lang="de-DE" sz="2800" dirty="0">
+              <a:latin typeface="+mn-lt"/>
+            </a:endParaRPr>
+          </a:p>
+        </p:txBody>
+      </p:sp>
+    </p:spTree>
+    <p:extLst>
+      <p:ext uri="{BB962C8B-B14F-4D97-AF65-F5344CB8AC3E}">
+        <p14:creationId xmlns:p14="http://schemas.microsoft.com/office/powerpoint/2010/main" val="3049720965"/>
       </p:ext>
     </p:extLst>
   </p:cSld>
